--- a/assets/lectures/cshl/2020/mini/RNASeq_MiniLecture_03_02_HTSEQ.pptx
+++ b/assets/lectures/cshl/2020/mini/RNASeq_MiniLecture_03_02_HTSEQ.pptx
@@ -959,14 +959,14 @@
           </a:ln>
           <a:extLst>
             <a:ext uri="{909E8E84-426E-40dd-AFC4-6F175D3DCCD1}">
-              <a14:hiddenFill xmlns:a14="http://schemas.microsoft.com/office/drawing/2010/main" xmlns="">
+              <a14:hiddenFill xmlns="" xmlns:a14="http://schemas.microsoft.com/office/drawing/2010/main">
                 <a:solidFill>
                   <a:srgbClr val="FFFFFF"/>
                 </a:solidFill>
               </a14:hiddenFill>
             </a:ext>
             <a:ext uri="{91240B29-F687-4f45-9708-019B960494DF}">
-              <a14:hiddenLine xmlns:a14="http://schemas.microsoft.com/office/drawing/2010/main" xmlns="" w="9525">
+              <a14:hiddenLine xmlns="" xmlns:a14="http://schemas.microsoft.com/office/drawing/2010/main" w="9525">
                 <a:solidFill>
                   <a:srgbClr val="000000"/>
                 </a:solidFill>
@@ -1461,14 +1461,14 @@
           </a:ln>
           <a:extLst>
             <a:ext uri="{909E8E84-426E-40dd-AFC4-6F175D3DCCD1}">
-              <a14:hiddenFill xmlns:a14="http://schemas.microsoft.com/office/drawing/2010/main" xmlns="">
+              <a14:hiddenFill xmlns="" xmlns:a14="http://schemas.microsoft.com/office/drawing/2010/main">
                 <a:solidFill>
                   <a:srgbClr val="FFFFFF"/>
                 </a:solidFill>
               </a14:hiddenFill>
             </a:ext>
             <a:ext uri="{91240B29-F687-4f45-9708-019B960494DF}">
-              <a14:hiddenLine xmlns:a14="http://schemas.microsoft.com/office/drawing/2010/main" xmlns="" w="9525">
+              <a14:hiddenLine xmlns="" xmlns:a14="http://schemas.microsoft.com/office/drawing/2010/main" w="9525">
                 <a:solidFill>
                   <a:srgbClr val="000000"/>
                 </a:solidFill>
@@ -3186,14 +3186,14 @@
           </a:ln>
           <a:extLst>
             <a:ext uri="{909E8E84-426E-40dd-AFC4-6F175D3DCCD1}">
-              <a14:hiddenFill xmlns:a14="http://schemas.microsoft.com/office/drawing/2010/main" xmlns="">
+              <a14:hiddenFill xmlns="" xmlns:a14="http://schemas.microsoft.com/office/drawing/2010/main">
                 <a:solidFill>
                   <a:srgbClr val="FFFFFF"/>
                 </a:solidFill>
               </a14:hiddenFill>
             </a:ext>
             <a:ext uri="{91240B29-F687-4f45-9708-019B960494DF}">
-              <a14:hiddenLine xmlns:a14="http://schemas.microsoft.com/office/drawing/2010/main" xmlns="" w="9525">
+              <a14:hiddenLine xmlns="" xmlns:a14="http://schemas.microsoft.com/office/drawing/2010/main" w="9525">
                 <a:solidFill>
                   <a:srgbClr val="000000"/>
                 </a:solidFill>
@@ -3957,114 +3957,6 @@
       </p:sp>
       <p:sp>
         <p:nvSpPr>
-          <p:cNvPr id="10" name="Title 1">
-            <a:extLst>
-              <a:ext uri="{FF2B5EF4-FFF2-40B4-BE49-F238E27FC236}">
-                <a16:creationId xmlns:a16="http://schemas.microsoft.com/office/drawing/2014/main" id="{5829414B-9927-164D-B30C-3D4E5C2BF62C}"/>
-              </a:ext>
-            </a:extLst>
-          </p:cNvPr>
-          <p:cNvSpPr txBox="1">
-            <a:spLocks/>
-          </p:cNvSpPr>
-          <p:nvPr/>
-        </p:nvSpPr>
-        <p:spPr>
-          <a:xfrm>
-            <a:off x="5879976" y="1219199"/>
-            <a:ext cx="6235824" cy="1161346"/>
-          </a:xfrm>
-          <a:prstGeom prst="rect">
-            <a:avLst/>
-          </a:prstGeom>
-        </p:spPr>
-        <p:txBody>
-          <a:bodyPr anchor="ctr"/>
-          <a:lstStyle>
-            <a:lvl1pPr algn="r">
-              <a:defRPr sz="3200" baseline="0">
-                <a:solidFill>
-                  <a:schemeClr val="bg1"/>
-                </a:solidFill>
-                <a:latin typeface="Adobe Jenson Pro" pitchFamily="18" charset="0"/>
-              </a:defRPr>
-            </a:lvl1pPr>
-          </a:lstStyle>
-          <a:p>
-            <a:pPr>
-              <a:defRPr/>
-            </a:pPr>
-            <a:r>
-              <a:rPr lang="en-US" sz="1800" dirty="0">
-                <a:latin typeface="Calibri"/>
-                <a:cs typeface="Calibri"/>
-              </a:rPr>
-              <a:t>Kelsy Cotto, Felicia Gomez, Obi Griffith, Malachi Griffith, </a:t>
-            </a:r>
-          </a:p>
-          <a:p>
-            <a:pPr>
-              <a:defRPr/>
-            </a:pPr>
-            <a:r>
-              <a:rPr lang="en-US" sz="1800" dirty="0">
-                <a:latin typeface="Calibri"/>
-                <a:cs typeface="Calibri"/>
-              </a:rPr>
-              <a:t>Allegra Petti, Megan </a:t>
-            </a:r>
-            <a:r>
-              <a:rPr lang="en-US" sz="1800" dirty="0" err="1">
-                <a:latin typeface="Calibri"/>
-                <a:cs typeface="Calibri"/>
-              </a:rPr>
-              <a:t>Richters</a:t>
-            </a:r>
-            <a:r>
-              <a:rPr lang="en-US" sz="1800" dirty="0">
-                <a:latin typeface="Calibri"/>
-                <a:cs typeface="Calibri"/>
-              </a:rPr>
-              <a:t>, Huiming Xia</a:t>
-            </a:r>
-          </a:p>
-          <a:p>
-            <a:pPr>
-              <a:defRPr/>
-            </a:pPr>
-            <a:r>
-              <a:rPr lang="en-US" sz="1800" dirty="0">
-                <a:ln w="1270">
-                  <a:solidFill>
-                    <a:schemeClr val="tx1">
-                      <a:alpha val="38000"/>
-                    </a:schemeClr>
-                  </a:solidFill>
-                </a:ln>
-                <a:latin typeface="Calibri"/>
-                <a:cs typeface="Calibri"/>
-              </a:rPr>
-              <a:t>Advanced Sequencing Technologies &amp; Bioinformatics Analysis </a:t>
-            </a:r>
-            <a:r>
-              <a:rPr lang="en-US" sz="1600" dirty="0">
-                <a:ln w="1270">
-                  <a:solidFill>
-                    <a:schemeClr val="tx1">
-                      <a:alpha val="38000"/>
-                    </a:schemeClr>
-                  </a:solidFill>
-                </a:ln>
-                <a:latin typeface="Calibri"/>
-                <a:cs typeface="Calibri"/>
-              </a:rPr>
-              <a:t>November 16-20, 2020</a:t>
-            </a:r>
-          </a:p>
-        </p:txBody>
-      </p:sp>
-      <p:sp>
-        <p:nvSpPr>
           <p:cNvPr id="19" name="Rectangle 18">
             <a:extLst>
               <a:ext uri="{FF2B5EF4-FFF2-40B4-BE49-F238E27FC236}">
@@ -4195,14 +4087,14 @@
           </a:ln>
           <a:extLst>
             <a:ext uri="{909E8E84-426E-40dd-AFC4-6F175D3DCCD1}">
-              <a14:hiddenFill xmlns="" xmlns:a14="http://schemas.microsoft.com/office/drawing/2010/main">
+              <a14:hiddenFill xmlns:a14="http://schemas.microsoft.com/office/drawing/2010/main" xmlns="">
                 <a:solidFill>
                   <a:srgbClr val="FFFFFF"/>
                 </a:solidFill>
               </a14:hiddenFill>
             </a:ext>
             <a:ext uri="{91240B29-F687-4f45-9708-019B960494DF}">
-              <a14:hiddenLine xmlns="" xmlns:a14="http://schemas.microsoft.com/office/drawing/2010/main" w="9525">
+              <a14:hiddenLine xmlns:a14="http://schemas.microsoft.com/office/drawing/2010/main" xmlns="" w="9525">
                 <a:solidFill>
                   <a:srgbClr val="000000"/>
                 </a:solidFill>
@@ -4250,6 +4142,128 @@
           </a:prstGeom>
         </p:spPr>
       </p:pic>
+      <p:sp>
+        <p:nvSpPr>
+          <p:cNvPr id="8" name="Title 1">
+            <a:extLst>
+              <a:ext uri="{FF2B5EF4-FFF2-40B4-BE49-F238E27FC236}">
+                <a16:creationId xmlns:a16="http://schemas.microsoft.com/office/drawing/2014/main" id="{480E7C4C-7D8F-F84A-84D7-48250FF4DF9C}"/>
+              </a:ext>
+            </a:extLst>
+          </p:cNvPr>
+          <p:cNvSpPr txBox="1">
+            <a:spLocks/>
+          </p:cNvSpPr>
+          <p:nvPr/>
+        </p:nvSpPr>
+        <p:spPr>
+          <a:xfrm>
+            <a:off x="3647728" y="1219199"/>
+            <a:ext cx="8468072" cy="1161346"/>
+          </a:xfrm>
+          <a:prstGeom prst="rect">
+            <a:avLst/>
+          </a:prstGeom>
+        </p:spPr>
+        <p:txBody>
+          <a:bodyPr anchor="ctr"/>
+          <a:lstStyle>
+            <a:lvl1pPr algn="r">
+              <a:defRPr sz="3200" baseline="0">
+                <a:solidFill>
+                  <a:schemeClr val="bg1"/>
+                </a:solidFill>
+                <a:latin typeface="Adobe Jenson Pro" pitchFamily="18" charset="0"/>
+              </a:defRPr>
+            </a:lvl1pPr>
+          </a:lstStyle>
+          <a:p>
+            <a:pPr>
+              <a:defRPr/>
+            </a:pPr>
+            <a:r>
+              <a:rPr lang="en-US" sz="1800" dirty="0">
+                <a:latin typeface="Calibri"/>
+                <a:cs typeface="Calibri"/>
+              </a:rPr>
+              <a:t>John Chamberlin, </a:t>
+            </a:r>
+            <a:r>
+              <a:rPr lang="en-US" sz="1800" dirty="0" err="1">
+                <a:latin typeface="Calibri"/>
+                <a:cs typeface="Calibri"/>
+              </a:rPr>
+              <a:t>Kelsy</a:t>
+            </a:r>
+            <a:r>
+              <a:rPr lang="en-US" sz="1800" dirty="0">
+                <a:latin typeface="Calibri"/>
+                <a:cs typeface="Calibri"/>
+              </a:rPr>
+              <a:t> Cotto, Felicia Gomez, Obi Griffith, Malachi Griffith, </a:t>
+            </a:r>
+          </a:p>
+          <a:p>
+            <a:pPr>
+              <a:defRPr/>
+            </a:pPr>
+            <a:r>
+              <a:rPr lang="en-US" sz="1800" dirty="0">
+                <a:latin typeface="Calibri"/>
+                <a:cs typeface="Calibri"/>
+              </a:rPr>
+              <a:t>Simone Longo, Allegra Petti, Aaron Quinlan, Megan </a:t>
+            </a:r>
+            <a:r>
+              <a:rPr lang="en-US" sz="1800" dirty="0" err="1">
+                <a:latin typeface="Calibri"/>
+                <a:cs typeface="Calibri"/>
+              </a:rPr>
+              <a:t>Richters</a:t>
+            </a:r>
+            <a:r>
+              <a:rPr lang="en-US" sz="1800" dirty="0">
+                <a:latin typeface="Calibri"/>
+                <a:cs typeface="Calibri"/>
+              </a:rPr>
+              <a:t>, Huiming Xia</a:t>
+            </a:r>
+          </a:p>
+          <a:p>
+            <a:pPr>
+              <a:defRPr/>
+            </a:pPr>
+            <a:r>
+              <a:rPr lang="en-US" sz="1800" dirty="0">
+                <a:ln w="1270">
+                  <a:solidFill>
+                    <a:schemeClr val="tx1">
+                      <a:alpha val="38000"/>
+                    </a:schemeClr>
+                  </a:solidFill>
+                </a:ln>
+                <a:latin typeface="Calibri"/>
+                <a:cs typeface="Calibri"/>
+              </a:rPr>
+              <a:t>Advanced Sequencing Technologies &amp; Bioinformatics Analysis </a:t>
+            </a:r>
+            <a:r>
+              <a:rPr lang="en-US" sz="1600" dirty="0">
+                <a:ln w="1270">
+                  <a:solidFill>
+                    <a:schemeClr val="tx1">
+                      <a:alpha val="38000"/>
+                    </a:schemeClr>
+                  </a:solidFill>
+                </a:ln>
+                <a:latin typeface="Calibri"/>
+                <a:cs typeface="Calibri"/>
+              </a:rPr>
+              <a:t>November 16-20, 2020</a:t>
+            </a:r>
+          </a:p>
+        </p:txBody>
+      </p:sp>
     </p:spTree>
     <p:extLst>
       <p:ext uri="{BB962C8B-B14F-4D97-AF65-F5344CB8AC3E}">

--- a/assets/lectures/cshl/2020/mini/RNASeq_MiniLecture_03_02_HTSEQ.pptx
+++ b/assets/lectures/cshl/2020/mini/RNASeq_MiniLecture_03_02_HTSEQ.pptx
@@ -200,7 +200,7 @@
           <a:p>
             <a:fld id="{827BD9F9-8452-A342-BB1B-28ECF19E2CC5}" type="datetimeFigureOut">
               <a:rPr lang="en-US" smtClean="0"/>
-              <a:t>11/9/20</a:t>
+              <a:t>11/17/20</a:t>
             </a:fld>
             <a:endParaRPr lang="en-US"/>
           </a:p>
@@ -511,6 +511,90 @@
           <a:bodyPr/>
           <a:lstStyle/>
           <a:p>
+            <a:endParaRPr lang="en-US" dirty="0"/>
+          </a:p>
+        </p:txBody>
+      </p:sp>
+      <p:sp>
+        <p:nvSpPr>
+          <p:cNvPr id="4" name="Slide Number Placeholder 3"/>
+          <p:cNvSpPr>
+            <a:spLocks noGrp="1"/>
+          </p:cNvSpPr>
+          <p:nvPr>
+            <p:ph type="sldNum" sz="quarter" idx="10"/>
+          </p:nvPr>
+        </p:nvSpPr>
+        <p:spPr/>
+        <p:txBody>
+          <a:bodyPr/>
+          <a:lstStyle/>
+          <a:p>
+            <a:fld id="{91C65747-E6F5-D94A-981D-658B04DED679}" type="slidenum">
+              <a:rPr lang="en-US" smtClean="0"/>
+              <a:t>2</a:t>
+            </a:fld>
+            <a:endParaRPr lang="en-US"/>
+          </a:p>
+        </p:txBody>
+      </p:sp>
+    </p:spTree>
+    <p:extLst>
+      <p:ext uri="{BB962C8B-B14F-4D97-AF65-F5344CB8AC3E}">
+        <p14:creationId xmlns:p14="http://schemas.microsoft.com/office/powerpoint/2010/main" val="1725041128"/>
+      </p:ext>
+    </p:extLst>
+  </p:cSld>
+  <p:clrMapOvr>
+    <a:masterClrMapping/>
+  </p:clrMapOvr>
+</p:notes>
+</file>
+
+<file path=ppt/notesSlides/notesSlide2.xml><?xml version="1.0" encoding="utf-8"?>
+<p:notes xmlns:a="http://schemas.openxmlformats.org/drawingml/2006/main" xmlns:r="http://schemas.openxmlformats.org/officeDocument/2006/relationships" xmlns:p="http://schemas.openxmlformats.org/presentationml/2006/main">
+  <p:cSld>
+    <p:spTree>
+      <p:nvGrpSpPr>
+        <p:cNvPr id="1" name=""/>
+        <p:cNvGrpSpPr/>
+        <p:nvPr/>
+      </p:nvGrpSpPr>
+      <p:grpSpPr>
+        <a:xfrm>
+          <a:off x="0" y="0"/>
+          <a:ext cx="0" cy="0"/>
+          <a:chOff x="0" y="0"/>
+          <a:chExt cx="0" cy="0"/>
+        </a:xfrm>
+      </p:grpSpPr>
+      <p:sp>
+        <p:nvSpPr>
+          <p:cNvPr id="2" name="Slide Image Placeholder 1"/>
+          <p:cNvSpPr>
+            <a:spLocks noGrp="1" noRot="1" noChangeAspect="1"/>
+          </p:cNvSpPr>
+          <p:nvPr>
+            <p:ph type="sldImg"/>
+          </p:nvPr>
+        </p:nvSpPr>
+        <p:spPr/>
+      </p:sp>
+      <p:sp>
+        <p:nvSpPr>
+          <p:cNvPr id="3" name="Notes Placeholder 2"/>
+          <p:cNvSpPr>
+            <a:spLocks noGrp="1"/>
+          </p:cNvSpPr>
+          <p:nvPr>
+            <p:ph type="body" idx="1"/>
+          </p:nvPr>
+        </p:nvSpPr>
+        <p:spPr/>
+        <p:txBody>
+          <a:bodyPr/>
+          <a:lstStyle/>
+          <a:p>
             <a:r>
               <a:rPr lang="en-US" dirty="0"/>
               <a:t>We recommend </a:t>
@@ -565,7 +649,7 @@
 </p:notes>
 </file>
 
-<file path=ppt/notesSlides/notesSlide2.xml><?xml version="1.0" encoding="utf-8"?>
+<file path=ppt/notesSlides/notesSlide3.xml><?xml version="1.0" encoding="utf-8"?>
 <p:notes xmlns:a="http://schemas.openxmlformats.org/drawingml/2006/main" xmlns:r="http://schemas.openxmlformats.org/officeDocument/2006/relationships" xmlns:p="http://schemas.openxmlformats.org/presentationml/2006/main" showMasterSp="0" showMasterPhAnim="0">
   <p:cSld>
     <p:spTree>
@@ -959,14 +1043,14 @@
           </a:ln>
           <a:extLst>
             <a:ext uri="{909E8E84-426E-40dd-AFC4-6F175D3DCCD1}">
-              <a14:hiddenFill xmlns="" xmlns:a14="http://schemas.microsoft.com/office/drawing/2010/main">
+              <a14:hiddenFill xmlns:a14="http://schemas.microsoft.com/office/drawing/2010/main" xmlns="">
                 <a:solidFill>
                   <a:srgbClr val="FFFFFF"/>
                 </a:solidFill>
               </a14:hiddenFill>
             </a:ext>
             <a:ext uri="{91240B29-F687-4f45-9708-019B960494DF}">
-              <a14:hiddenLine xmlns="" xmlns:a14="http://schemas.microsoft.com/office/drawing/2010/main" w="9525">
+              <a14:hiddenLine xmlns:a14="http://schemas.microsoft.com/office/drawing/2010/main" xmlns="" w="9525">
                 <a:solidFill>
                   <a:srgbClr val="000000"/>
                 </a:solidFill>
@@ -1461,14 +1545,14 @@
           </a:ln>
           <a:extLst>
             <a:ext uri="{909E8E84-426E-40dd-AFC4-6F175D3DCCD1}">
-              <a14:hiddenFill xmlns="" xmlns:a14="http://schemas.microsoft.com/office/drawing/2010/main">
+              <a14:hiddenFill xmlns:a14="http://schemas.microsoft.com/office/drawing/2010/main" xmlns="">
                 <a:solidFill>
                   <a:srgbClr val="FFFFFF"/>
                 </a:solidFill>
               </a14:hiddenFill>
             </a:ext>
             <a:ext uri="{91240B29-F687-4f45-9708-019B960494DF}">
-              <a14:hiddenLine xmlns="" xmlns:a14="http://schemas.microsoft.com/office/drawing/2010/main" w="9525">
+              <a14:hiddenLine xmlns:a14="http://schemas.microsoft.com/office/drawing/2010/main" xmlns="" w="9525">
                 <a:solidFill>
                   <a:srgbClr val="000000"/>
                 </a:solidFill>
@@ -3186,14 +3270,14 @@
           </a:ln>
           <a:extLst>
             <a:ext uri="{909E8E84-426E-40dd-AFC4-6F175D3DCCD1}">
-              <a14:hiddenFill xmlns="" xmlns:a14="http://schemas.microsoft.com/office/drawing/2010/main">
+              <a14:hiddenFill xmlns:a14="http://schemas.microsoft.com/office/drawing/2010/main" xmlns="">
                 <a:solidFill>
                   <a:srgbClr val="FFFFFF"/>
                 </a:solidFill>
               </a14:hiddenFill>
             </a:ext>
             <a:ext uri="{91240B29-F687-4f45-9708-019B960494DF}">
-              <a14:hiddenLine xmlns="" xmlns:a14="http://schemas.microsoft.com/office/drawing/2010/main" w="9525">
+              <a14:hiddenLine xmlns:a14="http://schemas.microsoft.com/office/drawing/2010/main" xmlns="" w="9525">
                 <a:solidFill>
                   <a:srgbClr val="000000"/>
                 </a:solidFill>
@@ -4087,14 +4171,14 @@
           </a:ln>
           <a:extLst>
             <a:ext uri="{909E8E84-426E-40dd-AFC4-6F175D3DCCD1}">
-              <a14:hiddenFill xmlns:a14="http://schemas.microsoft.com/office/drawing/2010/main" xmlns="">
+              <a14:hiddenFill xmlns="" xmlns:a14="http://schemas.microsoft.com/office/drawing/2010/main">
                 <a:solidFill>
                   <a:srgbClr val="FFFFFF"/>
                 </a:solidFill>
               </a14:hiddenFill>
             </a:ext>
             <a:ext uri="{91240B29-F687-4f45-9708-019B960494DF}">
-              <a14:hiddenLine xmlns:a14="http://schemas.microsoft.com/office/drawing/2010/main" xmlns="" w="9525">
+              <a14:hiddenLine xmlns="" xmlns:a14="http://schemas.microsoft.com/office/drawing/2010/main" w="9525">
                 <a:solidFill>
                   <a:srgbClr val="000000"/>
                 </a:solidFill>
@@ -4372,7 +4456,21 @@
                 <a:latin typeface="Calibri" charset="0"/>
                 <a:ea typeface="ＭＳ Ｐゴシック" charset="0"/>
               </a:rPr>
-              <a:t>Transcript structures could still be defined by something like cufflinks </a:t>
+              <a:t>Transcript structures could still be defined by something like </a:t>
+            </a:r>
+            <a:r>
+              <a:rPr lang="en-US" dirty="0" err="1">
+                <a:latin typeface="Calibri" charset="0"/>
+                <a:ea typeface="ＭＳ Ｐゴシック" charset="0"/>
+              </a:rPr>
+              <a:t>Stringtie</a:t>
+            </a:r>
+            <a:r>
+              <a:rPr lang="en-US" dirty="0">
+                <a:latin typeface="Calibri" charset="0"/>
+                <a:ea typeface="ＭＳ Ｐゴシック" charset="0"/>
+              </a:rPr>
+              <a:t> </a:t>
             </a:r>
             <a:br>
               <a:rPr lang="en-US" dirty="0">
@@ -4421,16 +4519,10 @@
               <a:rPr lang="en-US" sz="2200" dirty="0">
                 <a:latin typeface="Calibri" charset="0"/>
                 <a:ea typeface="ＭＳ Ｐゴシック" charset="0"/>
-                <a:hlinkClick r:id="rId2"/>
+                <a:hlinkClick r:id="rId3"/>
               </a:rPr>
-              <a:t>http://www-huber.embl.de/users/anders/HTSeq/doc/count.html</a:t>
-            </a:r>
-            <a:br>
-              <a:rPr lang="en-US" sz="2200" dirty="0">
-                <a:latin typeface="Calibri" charset="0"/>
-                <a:ea typeface="ＭＳ Ｐゴシック" charset="0"/>
-              </a:rPr>
-            </a:br>
+              <a:t>https://htseq.readthedocs.io/</a:t>
+            </a:r>
             <a:endParaRPr lang="en-US" sz="2200" dirty="0">
               <a:latin typeface="Calibri" charset="0"/>
               <a:ea typeface="ＭＳ Ｐゴシック" charset="0"/>
@@ -4496,7 +4588,7 @@
               <a:rPr lang="en-US" dirty="0">
                 <a:latin typeface="Calibri" charset="0"/>
                 <a:ea typeface="ＭＳ Ｐゴシック" charset="0"/>
-                <a:hlinkClick r:id="rId3"/>
+                <a:hlinkClick r:id="rId4"/>
               </a:rPr>
               <a:t>http://seqanswers.com/forums/showthread.php?t=18068</a:t>
             </a:r>
@@ -4530,7 +4622,7 @@
         </p:nvSpPr>
         <p:spPr>
           <a:xfrm>
-            <a:off x="1567898" y="3616660"/>
+            <a:off x="1567898" y="3537148"/>
             <a:ext cx="8538002" cy="830997"/>
           </a:xfrm>
           <a:prstGeom prst="rect">
@@ -4757,6 +4849,110 @@
           </a:p>
         </p:txBody>
       </p:sp>
+      <p:sp>
+        <p:nvSpPr>
+          <p:cNvPr id="3" name="TextBox 2">
+            <a:extLst>
+              <a:ext uri="{FF2B5EF4-FFF2-40B4-BE49-F238E27FC236}">
+                <a16:creationId xmlns:a16="http://schemas.microsoft.com/office/drawing/2014/main" id="{B03DF895-6130-984C-8108-62F9AFE0CC83}"/>
+              </a:ext>
+            </a:extLst>
+          </p:cNvPr>
+          <p:cNvSpPr txBox="1"/>
+          <p:nvPr/>
+        </p:nvSpPr>
+        <p:spPr>
+          <a:xfrm>
+            <a:off x="8869682" y="4754879"/>
+            <a:ext cx="3174274" cy="1169551"/>
+          </a:xfrm>
+          <a:prstGeom prst="rect">
+            <a:avLst/>
+          </a:prstGeom>
+          <a:noFill/>
+        </p:spPr>
+        <p:txBody>
+          <a:bodyPr wrap="square" rtlCol="0">
+            <a:spAutoFit/>
+          </a:bodyPr>
+          <a:lstStyle/>
+          <a:p>
+            <a:r>
+              <a:rPr lang="en-US" sz="1400" dirty="0"/>
+              <a:t>Note, if </a:t>
+            </a:r>
+            <a:r>
+              <a:rPr lang="en-US" sz="1400" dirty="0" err="1"/>
+              <a:t>gene_A</a:t>
+            </a:r>
+            <a:r>
+              <a:rPr lang="en-US" sz="1400" dirty="0"/>
+              <a:t> and </a:t>
+            </a:r>
+            <a:r>
+              <a:rPr lang="en-US" sz="1400" dirty="0" err="1"/>
+              <a:t>gene_B</a:t>
+            </a:r>
+            <a:r>
+              <a:rPr lang="en-US" sz="1400" dirty="0"/>
+              <a:t> on opposite strands, sequence data is stranded, and correct </a:t>
+            </a:r>
+            <a:r>
+              <a:rPr lang="en-US" sz="1400" dirty="0" err="1"/>
+              <a:t>HTSeq</a:t>
+            </a:r>
+            <a:r>
+              <a:rPr lang="en-US" sz="1400" dirty="0"/>
+              <a:t> parameter set then this read may not be ambiguous </a:t>
+            </a:r>
+          </a:p>
+        </p:txBody>
+      </p:sp>
+      <p:cxnSp>
+        <p:nvCxnSpPr>
+          <p:cNvPr id="7" name="Straight Arrow Connector 6">
+            <a:extLst>
+              <a:ext uri="{FF2B5EF4-FFF2-40B4-BE49-F238E27FC236}">
+                <a16:creationId xmlns:a16="http://schemas.microsoft.com/office/drawing/2014/main" id="{7B204E8E-A299-0646-B04B-7C6AC750E5B3}"/>
+              </a:ext>
+            </a:extLst>
+          </p:cNvPr>
+          <p:cNvCxnSpPr>
+            <a:cxnSpLocks/>
+            <a:stCxn id="3" idx="1"/>
+          </p:cNvCxnSpPr>
+          <p:nvPr/>
+        </p:nvCxnSpPr>
+        <p:spPr>
+          <a:xfrm flipH="1">
+            <a:off x="8544274" y="5339655"/>
+            <a:ext cx="325408" cy="212059"/>
+          </a:xfrm>
+          <a:prstGeom prst="straightConnector1">
+            <a:avLst/>
+          </a:prstGeom>
+          <a:ln w="38100">
+            <a:solidFill>
+              <a:srgbClr val="FF0000"/>
+            </a:solidFill>
+            <a:tailEnd type="triangle"/>
+          </a:ln>
+        </p:spPr>
+        <p:style>
+          <a:lnRef idx="1">
+            <a:schemeClr val="accent1"/>
+          </a:lnRef>
+          <a:fillRef idx="0">
+            <a:schemeClr val="accent1"/>
+          </a:fillRef>
+          <a:effectRef idx="0">
+            <a:schemeClr val="accent1"/>
+          </a:effectRef>
+          <a:fontRef idx="minor">
+            <a:schemeClr val="tx1"/>
+          </a:fontRef>
+        </p:style>
+      </p:cxnSp>
     </p:spTree>
     <p:extLst>
       <p:ext uri="{BB962C8B-B14F-4D97-AF65-F5344CB8AC3E}">
@@ -4767,6 +4963,111 @@
   <p:clrMapOvr>
     <a:masterClrMapping/>
   </p:clrMapOvr>
+  <p:timing>
+    <p:tnLst>
+      <p:par>
+        <p:cTn id="1" dur="indefinite" restart="never" nodeType="tmRoot">
+          <p:childTnLst>
+            <p:seq concurrent="1" nextAc="seek">
+              <p:cTn id="2" dur="indefinite" nodeType="mainSeq">
+                <p:childTnLst>
+                  <p:par>
+                    <p:cTn id="3" fill="hold">
+                      <p:stCondLst>
+                        <p:cond delay="indefinite"/>
+                      </p:stCondLst>
+                      <p:childTnLst>
+                        <p:par>
+                          <p:cTn id="4" fill="hold">
+                            <p:stCondLst>
+                              <p:cond delay="0"/>
+                            </p:stCondLst>
+                            <p:childTnLst>
+                              <p:par>
+                                <p:cTn id="5" presetID="1" presetClass="entr" presetSubtype="0" fill="hold" grpId="0" nodeType="clickEffect">
+                                  <p:stCondLst>
+                                    <p:cond delay="0"/>
+                                  </p:stCondLst>
+                                  <p:childTnLst>
+                                    <p:set>
+                                      <p:cBhvr>
+                                        <p:cTn id="6" dur="1" fill="hold">
+                                          <p:stCondLst>
+                                            <p:cond delay="0"/>
+                                          </p:stCondLst>
+                                        </p:cTn>
+                                        <p:tgtEl>
+                                          <p:spTgt spid="3"/>
+                                        </p:tgtEl>
+                                        <p:attrNameLst>
+                                          <p:attrName>style.visibility</p:attrName>
+                                        </p:attrNameLst>
+                                      </p:cBhvr>
+                                      <p:to>
+                                        <p:strVal val="visible"/>
+                                      </p:to>
+                                    </p:set>
+                                  </p:childTnLst>
+                                </p:cTn>
+                              </p:par>
+                              <p:par>
+                                <p:cTn id="7" presetID="1" presetClass="entr" presetSubtype="0" fill="hold" nodeType="withEffect">
+                                  <p:stCondLst>
+                                    <p:cond delay="0"/>
+                                  </p:stCondLst>
+                                  <p:childTnLst>
+                                    <p:set>
+                                      <p:cBhvr>
+                                        <p:cTn id="8" dur="1" fill="hold">
+                                          <p:stCondLst>
+                                            <p:cond delay="0"/>
+                                          </p:stCondLst>
+                                        </p:cTn>
+                                        <p:tgtEl>
+                                          <p:spTgt spid="7"/>
+                                        </p:tgtEl>
+                                        <p:attrNameLst>
+                                          <p:attrName>style.visibility</p:attrName>
+                                        </p:attrNameLst>
+                                      </p:cBhvr>
+                                      <p:to>
+                                        <p:strVal val="visible"/>
+                                      </p:to>
+                                    </p:set>
+                                  </p:childTnLst>
+                                </p:cTn>
+                              </p:par>
+                            </p:childTnLst>
+                          </p:cTn>
+                        </p:par>
+                      </p:childTnLst>
+                    </p:cTn>
+                  </p:par>
+                </p:childTnLst>
+              </p:cTn>
+              <p:prevCondLst>
+                <p:cond evt="onPrev" delay="0">
+                  <p:tgtEl>
+                    <p:sldTgt/>
+                  </p:tgtEl>
+                </p:cond>
+              </p:prevCondLst>
+              <p:nextCondLst>
+                <p:cond evt="onNext" delay="0">
+                  <p:tgtEl>
+                    <p:sldTgt/>
+                  </p:tgtEl>
+                </p:cond>
+              </p:nextCondLst>
+            </p:seq>
+          </p:childTnLst>
+        </p:cTn>
+      </p:par>
+    </p:tnLst>
+    <p:bldLst>
+      <p:bldP spid="3" grpId="0"/>
+    </p:bldLst>
+  </p:timing>
 </p:sld>
 </file>
 
